--- a/DATOS COVID Chile 2021 07 24.pptx
+++ b/DATOS COVID Chile 2021 07 24.pptx
@@ -8284,10 +8284,10 @@
       </p:grpSpPr>
       <p:pic>
         <p:nvPicPr>
-          <p:cNvPr id="4" name="Picture 3">
-            <a:extLst>
-              <a:ext uri="{FF2B5EF4-FFF2-40B4-BE49-F238E27FC236}">
-                <a16:creationId xmlns:a16="http://schemas.microsoft.com/office/drawing/2014/main" id="{0E838285-BA03-0C4C-8F00-2573692954E7}"/>
+          <p:cNvPr id="5" name="Picture 4">
+            <a:extLst>
+              <a:ext uri="{FF2B5EF4-FFF2-40B4-BE49-F238E27FC236}">
+                <a16:creationId xmlns:a16="http://schemas.microsoft.com/office/drawing/2014/main" id="{BC7BB15B-23B3-A346-929D-FE8F98FD6972}"/>
               </a:ext>
             </a:extLst>
           </p:cNvPr>
@@ -8304,8 +8304,8 @@
         </p:blipFill>
         <p:spPr>
           <a:xfrm>
-            <a:off x="6224909" y="1609253"/>
-            <a:ext cx="5753333" cy="4614250"/>
+            <a:off x="6291314" y="1438396"/>
+            <a:ext cx="5718580" cy="4571071"/>
           </a:xfrm>
           <a:prstGeom prst="rect">
             <a:avLst/>
@@ -8314,10 +8314,10 @@
       </p:pic>
       <p:pic>
         <p:nvPicPr>
-          <p:cNvPr id="2" name="Picture 1">
-            <a:extLst>
-              <a:ext uri="{FF2B5EF4-FFF2-40B4-BE49-F238E27FC236}">
-                <a16:creationId xmlns:a16="http://schemas.microsoft.com/office/drawing/2014/main" id="{54117C35-2A4A-C94D-A2BA-E1E4F0C608AF}"/>
+          <p:cNvPr id="4" name="Picture 3">
+            <a:extLst>
+              <a:ext uri="{FF2B5EF4-FFF2-40B4-BE49-F238E27FC236}">
+                <a16:creationId xmlns:a16="http://schemas.microsoft.com/office/drawing/2014/main" id="{0E838285-BA03-0C4C-8F00-2573692954E7}"/>
               </a:ext>
             </a:extLst>
           </p:cNvPr>
@@ -8326,15 +8326,16 @@
           </p:cNvPicPr>
           <p:nvPr/>
         </p:nvPicPr>
-        <p:blipFill rotWithShape="1">
+        <p:blipFill>
           <a:blip r:embed="rId4"/>
-          <a:srcRect b="6349"/>
-          <a:stretch/>
+          <a:stretch>
+            <a:fillRect/>
+          </a:stretch>
         </p:blipFill>
         <p:spPr>
           <a:xfrm>
-            <a:off x="495204" y="1632815"/>
-            <a:ext cx="5600796" cy="4590688"/>
+            <a:off x="558378" y="1438396"/>
+            <a:ext cx="5753333" cy="4614250"/>
           </a:xfrm>
           <a:prstGeom prst="rect">
             <a:avLst/>
@@ -8536,9 +8537,9 @@
           <p:nvPr/>
         </p:nvSpPr>
         <p:spPr>
-          <a:xfrm rot="1917480">
-            <a:off x="4254682" y="2120913"/>
-            <a:ext cx="1475314" cy="855956"/>
+          <a:xfrm rot="3652826">
+            <a:off x="4172856" y="2386860"/>
+            <a:ext cx="1907982" cy="855956"/>
           </a:xfrm>
           <a:prstGeom prst="ellipse">
             <a:avLst/>
@@ -8606,7 +8607,7 @@
           <a:p>
             <a:r>
               <a:rPr lang="en-US" b="1" dirty="0"/>
-              <a:t>DATOS REPORTADOS EL SABADO 10 Julio</a:t>
+              <a:t>DATOS REPORTADOS EL SABADO 17 Julio</a:t>
             </a:r>
           </a:p>
         </p:txBody>
@@ -8641,7 +8642,7 @@
           <a:p>
             <a:r>
               <a:rPr lang="en-US" b="1" dirty="0"/>
-              <a:t>DATOS REPORTADOS EL SABADO 17 Julio</a:t>
+              <a:t>DATOS REPORTADOS EL SABADO 24 Julio</a:t>
             </a:r>
           </a:p>
         </p:txBody>
@@ -8659,9 +8660,9 @@
           <p:nvPr/>
         </p:nvSpPr>
         <p:spPr>
-          <a:xfrm rot="471079">
-            <a:off x="9558830" y="1991443"/>
-            <a:ext cx="1311929" cy="832327"/>
+          <a:xfrm rot="3515136">
+            <a:off x="9388206" y="2269873"/>
+            <a:ext cx="1768985" cy="832327"/>
           </a:xfrm>
           <a:prstGeom prst="ellipse">
             <a:avLst/>
@@ -8695,48 +8696,6 @@
           <a:p>
             <a:pPr algn="ctr"/>
             <a:endParaRPr lang="en-US"/>
-          </a:p>
-        </p:txBody>
-      </p:sp>
-      <p:sp>
-        <p:nvSpPr>
-          <p:cNvPr id="10" name="TextBox 9">
-            <a:extLst>
-              <a:ext uri="{FF2B5EF4-FFF2-40B4-BE49-F238E27FC236}">
-                <a16:creationId xmlns:a16="http://schemas.microsoft.com/office/drawing/2014/main" id="{7B068153-25DE-AE46-AA98-1C3508A8B072}"/>
-              </a:ext>
-            </a:extLst>
-          </p:cNvPr>
-          <p:cNvSpPr txBox="1"/>
-          <p:nvPr/>
-        </p:nvSpPr>
-        <p:spPr>
-          <a:xfrm rot="20303905">
-            <a:off x="3185811" y="2716406"/>
-            <a:ext cx="5820376" cy="1015663"/>
-          </a:xfrm>
-          <a:prstGeom prst="rect">
-            <a:avLst/>
-          </a:prstGeom>
-          <a:noFill/>
-        </p:spPr>
-        <p:txBody>
-          <a:bodyPr wrap="none" rtlCol="0">
-            <a:spAutoFit/>
-          </a:bodyPr>
-          <a:lstStyle/>
-          <a:p>
-            <a:r>
-              <a:rPr lang="en-US" sz="6000" dirty="0">
-                <a:solidFill>
-                  <a:schemeClr val="tx1">
-                    <a:lumMod val="50000"/>
-                    <a:lumOff val="50000"/>
-                  </a:schemeClr>
-                </a:solidFill>
-              </a:rPr>
-              <a:t>NO ACTUALIZADO</a:t>
-            </a:r>
           </a:p>
         </p:txBody>
       </p:sp>
@@ -8772,10 +8731,10 @@
       </p:grpSpPr>
       <p:pic>
         <p:nvPicPr>
-          <p:cNvPr id="2" name="Picture 1">
-            <a:extLst>
-              <a:ext uri="{FF2B5EF4-FFF2-40B4-BE49-F238E27FC236}">
-                <a16:creationId xmlns:a16="http://schemas.microsoft.com/office/drawing/2014/main" id="{D8D73E01-EF80-3445-978D-EA21F6F87F75}"/>
+          <p:cNvPr id="5" name="Picture 4">
+            <a:extLst>
+              <a:ext uri="{FF2B5EF4-FFF2-40B4-BE49-F238E27FC236}">
+                <a16:creationId xmlns:a16="http://schemas.microsoft.com/office/drawing/2014/main" id="{A9AB68DA-7FFC-2246-A77A-22820318DAF8}"/>
               </a:ext>
             </a:extLst>
           </p:cNvPr>
@@ -8792,8 +8751,8 @@
         </p:blipFill>
         <p:spPr>
           <a:xfrm>
-            <a:off x="6139066" y="1767327"/>
-            <a:ext cx="5159263" cy="4311412"/>
+            <a:off x="6006687" y="1809251"/>
+            <a:ext cx="5291015" cy="4330660"/>
           </a:xfrm>
           <a:prstGeom prst="rect">
             <a:avLst/>
@@ -8802,10 +8761,10 @@
       </p:pic>
       <p:pic>
         <p:nvPicPr>
-          <p:cNvPr id="4" name="Picture 3">
-            <a:extLst>
-              <a:ext uri="{FF2B5EF4-FFF2-40B4-BE49-F238E27FC236}">
-                <a16:creationId xmlns:a16="http://schemas.microsoft.com/office/drawing/2014/main" id="{E1473D59-F19A-AE40-80CC-668B9872E501}"/>
+          <p:cNvPr id="2" name="Picture 1">
+            <a:extLst>
+              <a:ext uri="{FF2B5EF4-FFF2-40B4-BE49-F238E27FC236}">
+                <a16:creationId xmlns:a16="http://schemas.microsoft.com/office/drawing/2014/main" id="{D8D73E01-EF80-3445-978D-EA21F6F87F75}"/>
               </a:ext>
             </a:extLst>
           </p:cNvPr>
@@ -8822,8 +8781,8 @@
         </p:blipFill>
         <p:spPr>
           <a:xfrm>
-            <a:off x="97649" y="1884149"/>
-            <a:ext cx="5068968" cy="4195008"/>
+            <a:off x="137460" y="1828499"/>
+            <a:ext cx="5159263" cy="4311412"/>
           </a:xfrm>
           <a:prstGeom prst="rect">
             <a:avLst/>
@@ -9158,7 +9117,7 @@
           <a:p>
             <a:r>
               <a:rPr lang="en-US" b="1" dirty="0"/>
-              <a:t>DATOS REPORTADOS EL SABADO 10 JULIO</a:t>
+              <a:t>DATOS REPORTADOS EL SABADO 17 JULIO</a:t>
             </a:r>
           </a:p>
         </p:txBody>
@@ -9193,7 +9152,7 @@
           <a:p>
             <a:r>
               <a:rPr lang="en-US" b="1" dirty="0"/>
-              <a:t>DATOS REPORTADOS EL SABADO 17 JULIO</a:t>
+              <a:t>DATOS REPORTADOS EL SABADO 24 JULIO</a:t>
             </a:r>
           </a:p>
         </p:txBody>
@@ -9212,7 +9171,7 @@
         </p:nvSpPr>
         <p:spPr>
           <a:xfrm>
-            <a:off x="4779546" y="2360834"/>
+            <a:off x="4883121" y="2980875"/>
             <a:ext cx="1116139" cy="646331"/>
           </a:xfrm>
           <a:prstGeom prst="rect">
@@ -9266,7 +9225,7 @@
         </p:nvSpPr>
         <p:spPr>
           <a:xfrm>
-            <a:off x="4735733" y="3483405"/>
+            <a:off x="4894538" y="4058091"/>
             <a:ext cx="1403333" cy="646331"/>
           </a:xfrm>
           <a:prstGeom prst="rect">
@@ -9327,9 +9286,9 @@
           <p:nvPr/>
         </p:nvSpPr>
         <p:spPr>
-          <a:xfrm rot="974063">
-            <a:off x="3512456" y="2226792"/>
-            <a:ext cx="1281743" cy="756590"/>
+          <a:xfrm rot="3559973">
+            <a:off x="3476776" y="2564679"/>
+            <a:ext cx="1631137" cy="756590"/>
           </a:xfrm>
           <a:prstGeom prst="ellipse">
             <a:avLst/>
@@ -9380,9 +9339,9 @@
           <p:nvPr/>
         </p:nvSpPr>
         <p:spPr>
-          <a:xfrm rot="523579">
-            <a:off x="9157202" y="2062393"/>
-            <a:ext cx="1218931" cy="776871"/>
+          <a:xfrm rot="3256324">
+            <a:off x="8962694" y="2474574"/>
+            <a:ext cx="1536026" cy="776871"/>
           </a:xfrm>
           <a:prstGeom prst="ellipse">
             <a:avLst/>
@@ -9432,9 +9391,9 @@
           <p:nvPr/>
         </p:nvSpPr>
         <p:spPr>
-          <a:xfrm rot="1016561">
-            <a:off x="3545334" y="3326644"/>
-            <a:ext cx="1160154" cy="681054"/>
+          <a:xfrm rot="3212822">
+            <a:off x="3516464" y="3577684"/>
+            <a:ext cx="1573415" cy="681054"/>
           </a:xfrm>
           <a:prstGeom prst="ellipse">
             <a:avLst/>
@@ -9485,9 +9444,9 @@
           <p:nvPr/>
         </p:nvSpPr>
         <p:spPr>
-          <a:xfrm rot="229284">
-            <a:off x="9119592" y="3099583"/>
-            <a:ext cx="1244187" cy="753195"/>
+          <a:xfrm rot="2871329">
+            <a:off x="8992363" y="3433367"/>
+            <a:ext cx="1466451" cy="753195"/>
           </a:xfrm>
           <a:prstGeom prst="ellipse">
             <a:avLst/>
@@ -9521,48 +9480,6 @@
           <a:p>
             <a:pPr algn="ctr"/>
             <a:endParaRPr lang="en-US"/>
-          </a:p>
-        </p:txBody>
-      </p:sp>
-      <p:sp>
-        <p:nvSpPr>
-          <p:cNvPr id="16" name="TextBox 15">
-            <a:extLst>
-              <a:ext uri="{FF2B5EF4-FFF2-40B4-BE49-F238E27FC236}">
-                <a16:creationId xmlns:a16="http://schemas.microsoft.com/office/drawing/2014/main" id="{69BFF3B2-7DDD-8641-AC36-8E58BC9A19D2}"/>
-              </a:ext>
-            </a:extLst>
-          </p:cNvPr>
-          <p:cNvSpPr txBox="1"/>
-          <p:nvPr/>
-        </p:nvSpPr>
-        <p:spPr>
-          <a:xfrm rot="20303905">
-            <a:off x="3185811" y="2716406"/>
-            <a:ext cx="5820376" cy="1015663"/>
-          </a:xfrm>
-          <a:prstGeom prst="rect">
-            <a:avLst/>
-          </a:prstGeom>
-          <a:noFill/>
-        </p:spPr>
-        <p:txBody>
-          <a:bodyPr wrap="none" rtlCol="0">
-            <a:spAutoFit/>
-          </a:bodyPr>
-          <a:lstStyle/>
-          <a:p>
-            <a:r>
-              <a:rPr lang="en-US" sz="6000" dirty="0">
-                <a:solidFill>
-                  <a:schemeClr val="tx1">
-                    <a:lumMod val="50000"/>
-                    <a:lumOff val="50000"/>
-                  </a:schemeClr>
-                </a:solidFill>
-              </a:rPr>
-              <a:t>NO ACTUALIZADO</a:t>
-            </a:r>
           </a:p>
         </p:txBody>
       </p:sp>
